--- a/Datathon#2.pptx
+++ b/Datathon#2.pptx
@@ -11,21 +11,20 @@
     <p:sldId id="256" r:id="rId7"/>
     <p:sldId id="257" r:id="rId8"/>
     <p:sldId id="258" r:id="rId9"/>
-    <p:sldId id="259" r:id="rId10"/>
   </p:sldIdLst>
   <p:sldSz cy="5143500" cx="9144000"/>
   <p:notesSz cx="6858000" cy="9144000"/>
   <p:embeddedFontLst>
     <p:embeddedFont>
       <p:font typeface="Proxima Nova"/>
-      <p:regular r:id="rId11"/>
-      <p:bold r:id="rId12"/>
-      <p:italic r:id="rId13"/>
-      <p:boldItalic r:id="rId14"/>
+      <p:regular r:id="rId10"/>
+      <p:bold r:id="rId11"/>
+      <p:italic r:id="rId12"/>
+      <p:boldItalic r:id="rId13"/>
     </p:embeddedFont>
     <p:embeddedFont>
       <p:font typeface="Alfa Slab One"/>
-      <p:regular r:id="rId15"/>
+      <p:regular r:id="rId14"/>
     </p:embeddedFont>
   </p:embeddedFontLst>
   <p:defaultTextStyle>
@@ -721,7 +720,7 @@
       </p:grpSpPr>
       <p:sp>
         <p:nvSpPr>
-          <p:cNvPr id="53" name="Google Shape;53;g3bfab073db4_0_0:notes"/>
+          <p:cNvPr id="53" name="Google Shape;53;g3bc0462bf19_0_11:notes"/>
           <p:cNvSpPr/>
           <p:nvPr>
             <p:ph idx="2" type="sldImg"/>
@@ -756,7 +755,7 @@
       </p:sp>
       <p:sp>
         <p:nvSpPr>
-          <p:cNvPr id="54" name="Google Shape;54;g3bfab073db4_0_0:notes"/>
+          <p:cNvPr id="54" name="Google Shape;54;g3bc0462bf19_0_11:notes"/>
           <p:cNvSpPr txBox="1"/>
           <p:nvPr>
             <p:ph idx="1" type="body"/>
@@ -806,7 +805,7 @@
   <p:cSld>
     <p:spTree>
       <p:nvGrpSpPr>
-        <p:cNvPr id="58" name="Shape 58"/>
+        <p:cNvPr id="65" name="Shape 65"/>
         <p:cNvGrpSpPr/>
         <p:nvPr/>
       </p:nvGrpSpPr>
@@ -820,7 +819,7 @@
       </p:grpSpPr>
       <p:sp>
         <p:nvSpPr>
-          <p:cNvPr id="59" name="Google Shape;59;g3bc0462bf19_0_11:notes"/>
+          <p:cNvPr id="66" name="Google Shape;66;g392c654f6d1_0_50:notes"/>
           <p:cNvSpPr/>
           <p:nvPr>
             <p:ph idx="2" type="sldImg"/>
@@ -855,7 +854,7 @@
       </p:sp>
       <p:sp>
         <p:nvSpPr>
-          <p:cNvPr id="60" name="Google Shape;60;g3bc0462bf19_0_11:notes"/>
+          <p:cNvPr id="67" name="Google Shape;67;g392c654f6d1_0_50:notes"/>
           <p:cNvSpPr txBox="1"/>
           <p:nvPr>
             <p:ph idx="1" type="body"/>
@@ -905,7 +904,7 @@
   <p:cSld>
     <p:spTree>
       <p:nvGrpSpPr>
-        <p:cNvPr id="68" name="Shape 68"/>
+        <p:cNvPr id="75" name="Shape 75"/>
         <p:cNvGrpSpPr/>
         <p:nvPr/>
       </p:nvGrpSpPr>
@@ -919,7 +918,7 @@
       </p:grpSpPr>
       <p:sp>
         <p:nvSpPr>
-          <p:cNvPr id="69" name="Google Shape;69;g392c654f6d1_0_50:notes"/>
+          <p:cNvPr id="76" name="Google Shape;76;g392c654f6d1_0_102:notes"/>
           <p:cNvSpPr/>
           <p:nvPr>
             <p:ph idx="2" type="sldImg"/>
@@ -954,106 +953,7 @@
       </p:sp>
       <p:sp>
         <p:nvSpPr>
-          <p:cNvPr id="70" name="Google Shape;70;g392c654f6d1_0_50:notes"/>
-          <p:cNvSpPr txBox="1"/>
-          <p:nvPr>
-            <p:ph idx="1" type="body"/>
-          </p:nvPr>
-        </p:nvSpPr>
-        <p:spPr>
-          <a:xfrm>
-            <a:off x="685800" y="4343400"/>
-            <a:ext cx="5486400" cy="4114800"/>
-          </a:xfrm>
-          <a:prstGeom prst="rect">
-            <a:avLst/>
-          </a:prstGeom>
-        </p:spPr>
-        <p:txBody>
-          <a:bodyPr anchorCtr="0" anchor="t" bIns="91425" lIns="91425" spcFirstLastPara="1" rIns="91425" wrap="square" tIns="91425">
-            <a:noAutofit/>
-          </a:bodyPr>
-          <a:lstStyle/>
-          <a:p>
-            <a:pPr indent="0" lvl="0" marL="0" rtl="0" algn="l">
-              <a:spcBef>
-                <a:spcPts val="0"/>
-              </a:spcBef>
-              <a:spcAft>
-                <a:spcPts val="0"/>
-              </a:spcAft>
-              <a:buNone/>
-            </a:pPr>
-            <a:r>
-              <a:t/>
-            </a:r>
-            <a:endParaRPr/>
-          </a:p>
-        </p:txBody>
-      </p:sp>
-    </p:spTree>
-  </p:cSld>
-  <p:clrMapOvr>
-    <a:masterClrMapping/>
-  </p:clrMapOvr>
-</p:notes>
-</file>
-
-<file path=ppt/notesSlides/notesSlide4.xml><?xml version="1.0" encoding="utf-8"?>
-<p:notes xmlns:a="http://schemas.openxmlformats.org/drawingml/2006/main" xmlns:r="http://schemas.openxmlformats.org/officeDocument/2006/relationships" xmlns:mc="http://schemas.openxmlformats.org/markup-compatibility/2006" xmlns:mv="urn:schemas-microsoft-com:mac:vml" xmlns:p="http://schemas.openxmlformats.org/presentationml/2006/main" xmlns:c="http://schemas.openxmlformats.org/drawingml/2006/chart" xmlns:dgm="http://schemas.openxmlformats.org/drawingml/2006/diagram" xmlns:o="urn:schemas-microsoft-com:office:office" xmlns:v="urn:schemas-microsoft-com:vml" xmlns:pvml="urn:schemas-microsoft-com:office:powerpoint" xmlns:com="http://schemas.openxmlformats.org/drawingml/2006/compatibility" xmlns:p14="http://schemas.microsoft.com/office/powerpoint/2010/main" xmlns:p15="http://schemas.microsoft.com/office/powerpoint/2012/main" xmlns:ahyp="http://schemas.microsoft.com/office/drawing/2018/hyperlinkcolor" showMasterPhAnim="0" showMasterSp="0">
-  <p:cSld>
-    <p:spTree>
-      <p:nvGrpSpPr>
-        <p:cNvPr id="78" name="Shape 78"/>
-        <p:cNvGrpSpPr/>
-        <p:nvPr/>
-      </p:nvGrpSpPr>
-      <p:grpSpPr>
-        <a:xfrm>
-          <a:off x="0" y="0"/>
-          <a:ext cx="0" cy="0"/>
-          <a:chOff x="0" y="0"/>
-          <a:chExt cx="0" cy="0"/>
-        </a:xfrm>
-      </p:grpSpPr>
-      <p:sp>
-        <p:nvSpPr>
-          <p:cNvPr id="79" name="Google Shape;79;g392c654f6d1_0_102:notes"/>
-          <p:cNvSpPr/>
-          <p:nvPr>
-            <p:ph idx="2" type="sldImg"/>
-          </p:nvPr>
-        </p:nvSpPr>
-        <p:spPr>
-          <a:xfrm>
-            <a:off x="381300" y="685800"/>
-            <a:ext cx="6096000" cy="3429000"/>
-          </a:xfrm>
-          <a:custGeom>
-            <a:rect b="b" l="l" r="r" t="t"/>
-            <a:pathLst>
-              <a:path extrusionOk="0" h="120000" w="120000">
-                <a:moveTo>
-                  <a:pt x="0" y="0"/>
-                </a:moveTo>
-                <a:lnTo>
-                  <a:pt x="120000" y="0"/>
-                </a:lnTo>
-                <a:lnTo>
-                  <a:pt x="120000" y="120000"/>
-                </a:lnTo>
-                <a:lnTo>
-                  <a:pt x="0" y="120000"/>
-                </a:lnTo>
-                <a:close/>
-              </a:path>
-            </a:pathLst>
-          </a:custGeom>
-        </p:spPr>
-      </p:sp>
-      <p:sp>
-        <p:nvSpPr>
-          <p:cNvPr id="80" name="Google Shape;80;g392c654f6d1_0_102:notes"/>
+          <p:cNvPr id="77" name="Google Shape;77;g392c654f6d1_0_102:notes"/>
           <p:cNvSpPr txBox="1"/>
           <p:nvPr>
             <p:ph idx="1" type="body"/>
@@ -6338,27 +6238,268 @@
       <p:sp>
         <p:nvSpPr>
           <p:cNvPr id="56" name="Google Shape;56;p13"/>
+          <p:cNvSpPr/>
+          <p:nvPr/>
+        </p:nvSpPr>
+        <p:spPr>
+          <a:xfrm>
+            <a:off x="232825" y="122775"/>
+            <a:ext cx="8628600" cy="684900"/>
+          </a:xfrm>
+          <a:prstGeom prst="roundRect">
+            <a:avLst>
+              <a:gd fmla="val 16667" name="adj"/>
+            </a:avLst>
+          </a:prstGeom>
+          <a:solidFill>
+            <a:schemeClr val="accent3"/>
+          </a:solidFill>
+          <a:ln cap="flat" cmpd="sng" w="9525">
+            <a:solidFill>
+              <a:schemeClr val="dk2"/>
+            </a:solidFill>
+            <a:prstDash val="solid"/>
+            <a:round/>
+            <a:headEnd len="sm" w="sm" type="none"/>
+            <a:tailEnd len="sm" w="sm" type="none"/>
+          </a:ln>
+        </p:spPr>
+        <p:txBody>
+          <a:bodyPr anchorCtr="0" anchor="ctr" bIns="91425" lIns="91425" spcFirstLastPara="1" rIns="91425" wrap="square" tIns="91425">
+            <a:noAutofit/>
+          </a:bodyPr>
+          <a:lstStyle/>
+          <a:p>
+            <a:pPr indent="0" lvl="0" marL="0" rtl="0" algn="ctr">
+              <a:spcBef>
+                <a:spcPts val="0"/>
+              </a:spcBef>
+              <a:spcAft>
+                <a:spcPts val="0"/>
+              </a:spcAft>
+              <a:buNone/>
+            </a:pPr>
+            <a:r>
+              <a:t/>
+            </a:r>
+            <a:endParaRPr>
+              <a:latin typeface="Proxima Nova"/>
+              <a:ea typeface="Proxima Nova"/>
+              <a:cs typeface="Proxima Nova"/>
+              <a:sym typeface="Proxima Nova"/>
+            </a:endParaRPr>
+          </a:p>
+        </p:txBody>
+      </p:sp>
+      <p:sp>
+        <p:nvSpPr>
+          <p:cNvPr id="57" name="Google Shape;57;p13"/>
+          <p:cNvSpPr txBox="1"/>
+          <p:nvPr/>
+        </p:nvSpPr>
+        <p:spPr>
+          <a:xfrm>
+            <a:off x="4462100" y="2859404"/>
+            <a:ext cx="5259900" cy="2969400"/>
+          </a:xfrm>
+          <a:prstGeom prst="rect">
+            <a:avLst/>
+          </a:prstGeom>
+          <a:noFill/>
+          <a:ln>
+            <a:noFill/>
+          </a:ln>
+        </p:spPr>
+        <p:txBody>
+          <a:bodyPr anchorCtr="0" anchor="t" bIns="91425" lIns="91425" spcFirstLastPara="1" rIns="91425" wrap="square" tIns="91425">
+            <a:noAutofit/>
+          </a:bodyPr>
+          <a:lstStyle/>
+          <a:p>
+            <a:pPr indent="0" lvl="0" marL="0" rtl="0" algn="l">
+              <a:spcBef>
+                <a:spcPts val="0"/>
+              </a:spcBef>
+              <a:spcAft>
+                <a:spcPts val="0"/>
+              </a:spcAft>
+              <a:buNone/>
+            </a:pPr>
+            <a:r>
+              <a:t/>
+            </a:r>
+            <a:endParaRPr sz="1800">
+              <a:solidFill>
+                <a:schemeClr val="dk2"/>
+              </a:solidFill>
+            </a:endParaRPr>
+          </a:p>
+          <a:p>
+            <a:pPr indent="-330200" lvl="0" marL="457200" rtl="0" algn="l">
+              <a:spcBef>
+                <a:spcPts val="0"/>
+              </a:spcBef>
+              <a:spcAft>
+                <a:spcPts val="0"/>
+              </a:spcAft>
+              <a:buClr>
+                <a:schemeClr val="dk2"/>
+              </a:buClr>
+              <a:buSzPts val="1600"/>
+              <a:buChar char="●"/>
+            </a:pPr>
+            <a:r>
+              <a:rPr lang="en" sz="1600">
+                <a:solidFill>
+                  <a:schemeClr val="dk2"/>
+                </a:solidFill>
+              </a:rPr>
+              <a:t>No missing values or outliers</a:t>
+            </a:r>
+            <a:endParaRPr sz="1600">
+              <a:solidFill>
+                <a:schemeClr val="dk2"/>
+              </a:solidFill>
+            </a:endParaRPr>
+          </a:p>
+          <a:p>
+            <a:pPr indent="-330200" lvl="0" marL="457200" rtl="0" algn="l">
+              <a:spcBef>
+                <a:spcPts val="0"/>
+              </a:spcBef>
+              <a:spcAft>
+                <a:spcPts val="0"/>
+              </a:spcAft>
+              <a:buClr>
+                <a:schemeClr val="dk2"/>
+              </a:buClr>
+              <a:buSzPts val="1600"/>
+              <a:buChar char="●"/>
+            </a:pPr>
+            <a:r>
+              <a:rPr lang="en" sz="1600">
+                <a:solidFill>
+                  <a:schemeClr val="dk2"/>
+                </a:solidFill>
+              </a:rPr>
+              <a:t>Exclusion of age over 65 </a:t>
+            </a:r>
+            <a:endParaRPr sz="1600">
+              <a:solidFill>
+                <a:schemeClr val="dk2"/>
+              </a:solidFill>
+            </a:endParaRPr>
+          </a:p>
+          <a:p>
+            <a:pPr indent="-330200" lvl="0" marL="457200" rtl="0" algn="l">
+              <a:spcBef>
+                <a:spcPts val="0"/>
+              </a:spcBef>
+              <a:spcAft>
+                <a:spcPts val="0"/>
+              </a:spcAft>
+              <a:buClr>
+                <a:schemeClr val="dk2"/>
+              </a:buClr>
+              <a:buSzPts val="1600"/>
+              <a:buChar char="●"/>
+            </a:pPr>
+            <a:r>
+              <a:rPr lang="en" sz="1600">
+                <a:solidFill>
+                  <a:schemeClr val="dk2"/>
+                </a:solidFill>
+              </a:rPr>
+              <a:t>Exclusion of clinical features (BMI, glucose, hypertension, and heart disease)</a:t>
+            </a:r>
+            <a:endParaRPr sz="1600">
+              <a:solidFill>
+                <a:schemeClr val="dk2"/>
+              </a:solidFill>
+            </a:endParaRPr>
+          </a:p>
+          <a:p>
+            <a:pPr indent="-330200" lvl="0" marL="457200" rtl="0" algn="l">
+              <a:spcBef>
+                <a:spcPts val="0"/>
+              </a:spcBef>
+              <a:spcAft>
+                <a:spcPts val="0"/>
+              </a:spcAft>
+              <a:buClr>
+                <a:schemeClr val="dk2"/>
+              </a:buClr>
+              <a:buSzPts val="1600"/>
+              <a:buChar char="●"/>
+            </a:pPr>
+            <a:r>
+              <a:rPr lang="en" sz="1600">
+                <a:solidFill>
+                  <a:schemeClr val="dk2"/>
+                </a:solidFill>
+              </a:rPr>
+              <a:t>Transform stroke as binary outcome </a:t>
+            </a:r>
+            <a:endParaRPr sz="1600">
+              <a:solidFill>
+                <a:schemeClr val="dk2"/>
+              </a:solidFill>
+            </a:endParaRPr>
+          </a:p>
+          <a:p>
+            <a:pPr indent="-330200" lvl="0" marL="457200" rtl="0" algn="l">
+              <a:spcBef>
+                <a:spcPts val="0"/>
+              </a:spcBef>
+              <a:spcAft>
+                <a:spcPts val="0"/>
+              </a:spcAft>
+              <a:buClr>
+                <a:schemeClr val="dk2"/>
+              </a:buClr>
+              <a:buSzPts val="1600"/>
+              <a:buChar char="●"/>
+            </a:pPr>
+            <a:r>
+              <a:rPr lang="en" sz="1600">
+                <a:solidFill>
+                  <a:schemeClr val="dk2"/>
+                </a:solidFill>
+              </a:rPr>
+              <a:t>Use one hot coding of remaining categorical variables (smoking status, employment, </a:t>
+            </a:r>
+            <a:endParaRPr sz="1600">
+              <a:solidFill>
+                <a:schemeClr val="dk2"/>
+              </a:solidFill>
+            </a:endParaRPr>
+          </a:p>
+        </p:txBody>
+      </p:sp>
+      <p:sp>
+        <p:nvSpPr>
+          <p:cNvPr id="58" name="Google Shape;58;p13"/>
           <p:cNvSpPr txBox="1"/>
           <p:nvPr>
-            <p:ph type="ctrTitle"/>
+            <p:ph type="title"/>
           </p:nvPr>
         </p:nvSpPr>
         <p:spPr>
           <a:xfrm>
-            <a:off x="311700" y="595975"/>
-            <a:ext cx="8520600" cy="1957800"/>
+            <a:off x="252000" y="956722"/>
+            <a:ext cx="8520600" cy="572700"/>
           </a:xfrm>
           <a:prstGeom prst="rect">
             <a:avLst/>
           </a:prstGeom>
         </p:spPr>
         <p:txBody>
-          <a:bodyPr anchorCtr="0" anchor="b" bIns="91425" lIns="91425" spcFirstLastPara="1" rIns="91425" wrap="square" tIns="91425">
-            <a:normAutofit/>
+          <a:bodyPr anchorCtr="0" anchor="t" bIns="91425" lIns="91425" spcFirstLastPara="1" rIns="91425" wrap="square" tIns="91425">
+            <a:normAutofit fontScale="90000"/>
           </a:bodyPr>
           <a:lstStyle/>
           <a:p>
-            <a:pPr indent="0" lvl="0" marL="0" rtl="0" algn="ctr">
+            <a:pPr indent="0" lvl="0" marL="0" rtl="0" algn="l">
               <a:spcBef>
                 <a:spcPts val="0"/>
               </a:spcBef>
@@ -6369,7 +6510,7 @@
             </a:pPr>
             <a:r>
               <a:rPr lang="en"/>
-              <a:t>Lifestyle Factors and Stroke</a:t>
+              <a:t>Introduction</a:t>
             </a:r>
             <a:endParaRPr/>
           </a:p>
@@ -6377,16 +6518,112 @@
       </p:sp>
       <p:sp>
         <p:nvSpPr>
-          <p:cNvPr id="57" name="Google Shape;57;p13"/>
+          <p:cNvPr id="59" name="Google Shape;59;p13"/>
+          <p:cNvSpPr txBox="1"/>
+          <p:nvPr/>
+        </p:nvSpPr>
+        <p:spPr>
+          <a:xfrm>
+            <a:off x="252000" y="1473454"/>
+            <a:ext cx="7816500" cy="923400"/>
+          </a:xfrm>
+          <a:prstGeom prst="rect">
+            <a:avLst/>
+          </a:prstGeom>
+          <a:noFill/>
+          <a:ln>
+            <a:noFill/>
+          </a:ln>
+        </p:spPr>
+        <p:txBody>
+          <a:bodyPr anchorCtr="0" anchor="t" bIns="91425" lIns="91425" spcFirstLastPara="1" rIns="91425" wrap="square" tIns="91425">
+            <a:spAutoFit/>
+          </a:bodyPr>
+          <a:lstStyle/>
+          <a:p>
+            <a:pPr indent="0" lvl="0" marL="0" rtl="0" algn="l">
+              <a:spcBef>
+                <a:spcPts val="0"/>
+              </a:spcBef>
+              <a:spcAft>
+                <a:spcPts val="0"/>
+              </a:spcAft>
+              <a:buNone/>
+            </a:pPr>
+            <a:r>
+              <a:rPr lang="en" sz="1600">
+                <a:solidFill>
+                  <a:schemeClr val="dk2"/>
+                </a:solidFill>
+              </a:rPr>
+              <a:t>Stroke is the second leading cause of death for non-communicable diseases worldwide and is known to be affected by age, gender, and employment stress. We wanted to examine what lifestyle factors best predict the probability of stroke.</a:t>
+            </a:r>
+            <a:endParaRPr/>
+          </a:p>
+        </p:txBody>
+      </p:sp>
+      <p:sp>
+        <p:nvSpPr>
+          <p:cNvPr id="60" name="Google Shape;60;p13"/>
+          <p:cNvSpPr txBox="1"/>
+          <p:nvPr/>
+        </p:nvSpPr>
+        <p:spPr>
+          <a:xfrm>
+            <a:off x="279000" y="3170754"/>
+            <a:ext cx="3597900" cy="1416000"/>
+          </a:xfrm>
+          <a:prstGeom prst="rect">
+            <a:avLst/>
+          </a:prstGeom>
+          <a:noFill/>
+          <a:ln>
+            <a:noFill/>
+          </a:ln>
+        </p:spPr>
+        <p:txBody>
+          <a:bodyPr anchorCtr="0" anchor="t" bIns="91425" lIns="91425" spcFirstLastPara="1" rIns="91425" wrap="square" tIns="91425">
+            <a:spAutoFit/>
+          </a:bodyPr>
+          <a:lstStyle/>
+          <a:p>
+            <a:pPr indent="0" lvl="0" marL="0" rtl="0" algn="l">
+              <a:spcBef>
+                <a:spcPts val="0"/>
+              </a:spcBef>
+              <a:spcAft>
+                <a:spcPts val="0"/>
+              </a:spcAft>
+              <a:buNone/>
+            </a:pPr>
+            <a:r>
+              <a:rPr lang="en" sz="1600">
+                <a:solidFill>
+                  <a:schemeClr val="dk2"/>
+                </a:solidFill>
+              </a:rPr>
+              <a:t>Using employment status, gender and age, can we predict stroke with a logistic regression model? Would this be better predicted with a more full set of lifestyle features?</a:t>
+            </a:r>
+            <a:endParaRPr sz="1600">
+              <a:solidFill>
+                <a:schemeClr val="dk2"/>
+              </a:solidFill>
+            </a:endParaRPr>
+          </a:p>
+        </p:txBody>
+      </p:sp>
+      <p:sp>
+        <p:nvSpPr>
+          <p:cNvPr id="61" name="Google Shape;61;p13"/>
           <p:cNvSpPr txBox="1"/>
           <p:nvPr>
-            <p:ph idx="1" type="subTitle"/>
+            <p:ph type="title"/>
           </p:nvPr>
         </p:nvSpPr>
         <p:spPr>
           <a:xfrm>
-            <a:off x="311700" y="3165823"/>
-            <a:ext cx="8520600" cy="733500"/>
+            <a:off x="252000" y="2516504"/>
+            <a:ext cx="3651900" cy="572700"/>
           </a:xfrm>
           <a:prstGeom prst="rect">
             <a:avLst/>
@@ -6394,7 +6631,87 @@
         </p:spPr>
         <p:txBody>
           <a:bodyPr anchorCtr="0" anchor="t" bIns="91425" lIns="91425" spcFirstLastPara="1" rIns="91425" wrap="square" tIns="91425">
-            <a:normAutofit fontScale="62500" lnSpcReduction="20000"/>
+            <a:normAutofit fontScale="90000"/>
+          </a:bodyPr>
+          <a:lstStyle/>
+          <a:p>
+            <a:pPr indent="0" lvl="0" marL="0" rtl="0" algn="l">
+              <a:spcBef>
+                <a:spcPts val="0"/>
+              </a:spcBef>
+              <a:spcAft>
+                <a:spcPts val="0"/>
+              </a:spcAft>
+              <a:buNone/>
+            </a:pPr>
+            <a:r>
+              <a:rPr lang="en"/>
+              <a:t>Research Question</a:t>
+            </a:r>
+            <a:endParaRPr/>
+          </a:p>
+        </p:txBody>
+      </p:sp>
+      <p:sp>
+        <p:nvSpPr>
+          <p:cNvPr id="62" name="Google Shape;62;p13"/>
+          <p:cNvSpPr txBox="1"/>
+          <p:nvPr>
+            <p:ph type="title"/>
+          </p:nvPr>
+        </p:nvSpPr>
+        <p:spPr>
+          <a:xfrm>
+            <a:off x="4547581" y="2516504"/>
+            <a:ext cx="4410000" cy="923400"/>
+          </a:xfrm>
+          <a:prstGeom prst="rect">
+            <a:avLst/>
+          </a:prstGeom>
+        </p:spPr>
+        <p:txBody>
+          <a:bodyPr anchorCtr="0" anchor="t" bIns="91425" lIns="91425" spcFirstLastPara="1" rIns="91425" wrap="square" tIns="91425">
+            <a:normAutofit/>
+          </a:bodyPr>
+          <a:lstStyle/>
+          <a:p>
+            <a:pPr indent="0" lvl="0" marL="0" rtl="0" algn="l">
+              <a:spcBef>
+                <a:spcPts val="0"/>
+              </a:spcBef>
+              <a:spcAft>
+                <a:spcPts val="0"/>
+              </a:spcAft>
+              <a:buNone/>
+            </a:pPr>
+            <a:r>
+              <a:rPr lang="en" sz="2700"/>
+              <a:t>Data Engineering </a:t>
+            </a:r>
+            <a:endParaRPr sz="2700"/>
+          </a:p>
+        </p:txBody>
+      </p:sp>
+      <p:sp>
+        <p:nvSpPr>
+          <p:cNvPr id="63" name="Google Shape;63;p13"/>
+          <p:cNvSpPr txBox="1"/>
+          <p:nvPr>
+            <p:ph type="title"/>
+          </p:nvPr>
+        </p:nvSpPr>
+        <p:spPr>
+          <a:xfrm>
+            <a:off x="340900" y="143922"/>
+            <a:ext cx="8520600" cy="572700"/>
+          </a:xfrm>
+          <a:prstGeom prst="rect">
+            <a:avLst/>
+          </a:prstGeom>
+        </p:spPr>
+        <p:txBody>
+          <a:bodyPr anchorCtr="0" anchor="t" bIns="91425" lIns="91425" spcFirstLastPara="1" rIns="91425" wrap="square" tIns="91425">
+            <a:noAutofit/>
           </a:bodyPr>
           <a:lstStyle/>
           <a:p>
@@ -6405,26 +6722,75 @@
               <a:spcAft>
                 <a:spcPts val="0"/>
               </a:spcAft>
+              <a:buSzPts val="990"/>
               <a:buNone/>
             </a:pPr>
             <a:r>
-              <a:rPr lang="en">
-                <a:latin typeface="Arial"/>
-                <a:ea typeface="Arial"/>
-                <a:cs typeface="Arial"/>
-                <a:sym typeface="Arial"/>
+              <a:rPr lang="en" sz="3100">
+                <a:solidFill>
+                  <a:schemeClr val="lt1"/>
+                </a:solidFill>
+              </a:rPr>
+              <a:t>Lifestyle Factors and Stroke Prediction</a:t>
+            </a:r>
+            <a:endParaRPr sz="3100">
+              <a:solidFill>
+                <a:schemeClr val="lt1"/>
+              </a:solidFill>
+            </a:endParaRPr>
+          </a:p>
+        </p:txBody>
+      </p:sp>
+      <p:sp>
+        <p:nvSpPr>
+          <p:cNvPr id="64" name="Google Shape;64;p13"/>
+          <p:cNvSpPr txBox="1"/>
+          <p:nvPr/>
+        </p:nvSpPr>
+        <p:spPr>
+          <a:xfrm>
+            <a:off x="291700" y="4650250"/>
+            <a:ext cx="3651900" cy="461700"/>
+          </a:xfrm>
+          <a:prstGeom prst="rect">
+            <a:avLst/>
+          </a:prstGeom>
+          <a:noFill/>
+          <a:ln>
+            <a:noFill/>
+          </a:ln>
+        </p:spPr>
+        <p:txBody>
+          <a:bodyPr anchorCtr="0" anchor="t" bIns="91425" lIns="91425" spcFirstLastPara="1" rIns="91425" wrap="square" tIns="91425">
+            <a:spAutoFit/>
+          </a:bodyPr>
+          <a:lstStyle/>
+          <a:p>
+            <a:pPr indent="0" lvl="0" marL="0" rtl="0" algn="l">
+              <a:spcBef>
+                <a:spcPts val="0"/>
+              </a:spcBef>
+              <a:spcAft>
+                <a:spcPts val="0"/>
+              </a:spcAft>
+              <a:buNone/>
+            </a:pPr>
+            <a:r>
+              <a:rPr lang="en" sz="900">
+                <a:solidFill>
+                  <a:schemeClr val="dk2"/>
+                </a:solidFill>
               </a:rPr>
               <a:t>Group  5: Neelan Sriranjan, Owusu Boakye Gideon, Vy Manohara</a:t>
             </a:r>
-            <a:endParaRPr>
-              <a:latin typeface="Arial"/>
-              <a:ea typeface="Arial"/>
-              <a:cs typeface="Arial"/>
-              <a:sym typeface="Arial"/>
+            <a:endParaRPr sz="900">
+              <a:solidFill>
+                <a:schemeClr val="dk2"/>
+              </a:solidFill>
             </a:endParaRPr>
           </a:p>
           <a:p>
-            <a:pPr indent="0" lvl="0" marL="0" rtl="0" algn="ctr">
+            <a:pPr indent="0" lvl="0" marL="0" rtl="0" algn="l">
               <a:spcBef>
                 <a:spcPts val="0"/>
               </a:spcBef>
@@ -6434,46 +6800,14 @@
               <a:buNone/>
             </a:pPr>
             <a:r>
-              <a:rPr lang="en">
-                <a:latin typeface="Arial"/>
-                <a:ea typeface="Arial"/>
-                <a:cs typeface="Arial"/>
-                <a:sym typeface="Arial"/>
+              <a:rPr lang="en" sz="900">
+                <a:solidFill>
+                  <a:schemeClr val="dk2"/>
+                </a:solidFill>
               </a:rPr>
               <a:t>HAD5016H</a:t>
             </a:r>
-            <a:endParaRPr>
-              <a:latin typeface="Arial"/>
-              <a:ea typeface="Arial"/>
-              <a:cs typeface="Arial"/>
-              <a:sym typeface="Arial"/>
-            </a:endParaRPr>
-          </a:p>
-          <a:p>
-            <a:pPr indent="0" lvl="0" marL="0" rtl="0" algn="ctr">
-              <a:spcBef>
-                <a:spcPts val="0"/>
-              </a:spcBef>
-              <a:spcAft>
-                <a:spcPts val="0"/>
-              </a:spcAft>
-              <a:buNone/>
-            </a:pPr>
-            <a:r>
-              <a:rPr lang="en">
-                <a:latin typeface="Arial"/>
-                <a:ea typeface="Arial"/>
-                <a:cs typeface="Arial"/>
-                <a:sym typeface="Arial"/>
-              </a:rPr>
-              <a:t>January 29th, 2026</a:t>
-            </a:r>
-            <a:endParaRPr>
-              <a:latin typeface="Arial"/>
-              <a:ea typeface="Arial"/>
-              <a:cs typeface="Arial"/>
-              <a:sym typeface="Arial"/>
-            </a:endParaRPr>
+            <a:endParaRPr sz="100"/>
           </a:p>
         </p:txBody>
       </p:sp>
@@ -6497,7 +6831,7 @@
     </p:bg>
     <p:spTree>
       <p:nvGrpSpPr>
-        <p:cNvPr id="61" name="Shape 61"/>
+        <p:cNvPr id="68" name="Shape 68"/>
         <p:cNvGrpSpPr/>
         <p:nvPr/>
       </p:nvGrpSpPr>
@@ -6511,440 +6845,7 @@
       </p:grpSpPr>
       <p:sp>
         <p:nvSpPr>
-          <p:cNvPr id="62" name="Google Shape;62;p14"/>
-          <p:cNvSpPr txBox="1"/>
-          <p:nvPr/>
-        </p:nvSpPr>
-        <p:spPr>
-          <a:xfrm>
-            <a:off x="4462100" y="2186304"/>
-            <a:ext cx="5259900" cy="2969400"/>
-          </a:xfrm>
-          <a:prstGeom prst="rect">
-            <a:avLst/>
-          </a:prstGeom>
-          <a:noFill/>
-          <a:ln>
-            <a:noFill/>
-          </a:ln>
-        </p:spPr>
-        <p:txBody>
-          <a:bodyPr anchorCtr="0" anchor="t" bIns="91425" lIns="91425" spcFirstLastPara="1" rIns="91425" wrap="square" tIns="91425">
-            <a:noAutofit/>
-          </a:bodyPr>
-          <a:lstStyle/>
-          <a:p>
-            <a:pPr indent="0" lvl="0" marL="0" rtl="0" algn="l">
-              <a:spcBef>
-                <a:spcPts val="0"/>
-              </a:spcBef>
-              <a:spcAft>
-                <a:spcPts val="0"/>
-              </a:spcAft>
-              <a:buNone/>
-            </a:pPr>
-            <a:r>
-              <a:t/>
-            </a:r>
-            <a:endParaRPr sz="1800">
-              <a:solidFill>
-                <a:schemeClr val="dk2"/>
-              </a:solidFill>
-            </a:endParaRPr>
-          </a:p>
-          <a:p>
-            <a:pPr indent="-330200" lvl="0" marL="457200" rtl="0" algn="l">
-              <a:spcBef>
-                <a:spcPts val="0"/>
-              </a:spcBef>
-              <a:spcAft>
-                <a:spcPts val="0"/>
-              </a:spcAft>
-              <a:buClr>
-                <a:schemeClr val="dk2"/>
-              </a:buClr>
-              <a:buSzPts val="1600"/>
-              <a:buChar char="●"/>
-            </a:pPr>
-            <a:r>
-              <a:rPr lang="en" sz="1600">
-                <a:solidFill>
-                  <a:schemeClr val="dk2"/>
-                </a:solidFill>
-              </a:rPr>
-              <a:t>No missing values or outliers</a:t>
-            </a:r>
-            <a:endParaRPr sz="1600">
-              <a:solidFill>
-                <a:schemeClr val="dk2"/>
-              </a:solidFill>
-            </a:endParaRPr>
-          </a:p>
-          <a:p>
-            <a:pPr indent="-330200" lvl="0" marL="457200" rtl="0" algn="l">
-              <a:spcBef>
-                <a:spcPts val="0"/>
-              </a:spcBef>
-              <a:spcAft>
-                <a:spcPts val="0"/>
-              </a:spcAft>
-              <a:buClr>
-                <a:schemeClr val="dk2"/>
-              </a:buClr>
-              <a:buSzPts val="1600"/>
-              <a:buChar char="●"/>
-            </a:pPr>
-            <a:r>
-              <a:rPr lang="en" sz="1600">
-                <a:solidFill>
-                  <a:schemeClr val="dk2"/>
-                </a:solidFill>
-              </a:rPr>
-              <a:t>Exclusion of age over 65 </a:t>
-            </a:r>
-            <a:endParaRPr sz="1600">
-              <a:solidFill>
-                <a:schemeClr val="dk2"/>
-              </a:solidFill>
-            </a:endParaRPr>
-          </a:p>
-          <a:p>
-            <a:pPr indent="-330200" lvl="0" marL="457200" rtl="0" algn="l">
-              <a:spcBef>
-                <a:spcPts val="0"/>
-              </a:spcBef>
-              <a:spcAft>
-                <a:spcPts val="0"/>
-              </a:spcAft>
-              <a:buClr>
-                <a:schemeClr val="dk2"/>
-              </a:buClr>
-              <a:buSzPts val="1600"/>
-              <a:buChar char="●"/>
-            </a:pPr>
-            <a:r>
-              <a:rPr lang="en" sz="1600">
-                <a:solidFill>
-                  <a:schemeClr val="dk2"/>
-                </a:solidFill>
-              </a:rPr>
-              <a:t>Exclusion of clinical features (BMI, glucose, hypertension, and heart disease)</a:t>
-            </a:r>
-            <a:endParaRPr sz="1600">
-              <a:solidFill>
-                <a:schemeClr val="dk2"/>
-              </a:solidFill>
-            </a:endParaRPr>
-          </a:p>
-          <a:p>
-            <a:pPr indent="-330200" lvl="0" marL="457200" rtl="0" algn="l">
-              <a:spcBef>
-                <a:spcPts val="0"/>
-              </a:spcBef>
-              <a:spcAft>
-                <a:spcPts val="0"/>
-              </a:spcAft>
-              <a:buClr>
-                <a:schemeClr val="dk2"/>
-              </a:buClr>
-              <a:buSzPts val="1600"/>
-              <a:buChar char="●"/>
-            </a:pPr>
-            <a:r>
-              <a:rPr lang="en" sz="1600">
-                <a:solidFill>
-                  <a:schemeClr val="dk2"/>
-                </a:solidFill>
-              </a:rPr>
-              <a:t>Transform stroke as binary outcome </a:t>
-            </a:r>
-            <a:endParaRPr sz="1600">
-              <a:solidFill>
-                <a:schemeClr val="dk2"/>
-              </a:solidFill>
-            </a:endParaRPr>
-          </a:p>
-          <a:p>
-            <a:pPr indent="-330200" lvl="0" marL="457200" rtl="0" algn="l">
-              <a:spcBef>
-                <a:spcPts val="0"/>
-              </a:spcBef>
-              <a:spcAft>
-                <a:spcPts val="0"/>
-              </a:spcAft>
-              <a:buClr>
-                <a:schemeClr val="dk2"/>
-              </a:buClr>
-              <a:buSzPts val="1600"/>
-              <a:buChar char="●"/>
-            </a:pPr>
-            <a:r>
-              <a:rPr lang="en" sz="1600">
-                <a:solidFill>
-                  <a:schemeClr val="dk2"/>
-                </a:solidFill>
-              </a:rPr>
-              <a:t>Use one hot coding of remaining categorical variables (smoking status, employment, </a:t>
-            </a:r>
-            <a:endParaRPr sz="1600">
-              <a:solidFill>
-                <a:schemeClr val="dk2"/>
-              </a:solidFill>
-            </a:endParaRPr>
-          </a:p>
-        </p:txBody>
-      </p:sp>
-      <p:sp>
-        <p:nvSpPr>
-          <p:cNvPr id="63" name="Google Shape;63;p14"/>
-          <p:cNvSpPr txBox="1"/>
-          <p:nvPr>
-            <p:ph type="title"/>
-          </p:nvPr>
-        </p:nvSpPr>
-        <p:spPr>
-          <a:xfrm>
-            <a:off x="252000" y="143922"/>
-            <a:ext cx="8520600" cy="572700"/>
-          </a:xfrm>
-          <a:prstGeom prst="rect">
-            <a:avLst/>
-          </a:prstGeom>
-        </p:spPr>
-        <p:txBody>
-          <a:bodyPr anchorCtr="0" anchor="t" bIns="91425" lIns="91425" spcFirstLastPara="1" rIns="91425" wrap="square" tIns="91425">
-            <a:normAutofit fontScale="90000"/>
-          </a:bodyPr>
-          <a:lstStyle/>
-          <a:p>
-            <a:pPr indent="0" lvl="0" marL="0" rtl="0" algn="l">
-              <a:spcBef>
-                <a:spcPts val="0"/>
-              </a:spcBef>
-              <a:spcAft>
-                <a:spcPts val="0"/>
-              </a:spcAft>
-              <a:buNone/>
-            </a:pPr>
-            <a:r>
-              <a:rPr lang="en"/>
-              <a:t>Introduction</a:t>
-            </a:r>
-            <a:endParaRPr/>
-          </a:p>
-        </p:txBody>
-      </p:sp>
-      <p:sp>
-        <p:nvSpPr>
-          <p:cNvPr id="64" name="Google Shape;64;p14"/>
-          <p:cNvSpPr txBox="1"/>
-          <p:nvPr/>
-        </p:nvSpPr>
-        <p:spPr>
-          <a:xfrm>
-            <a:off x="252000" y="660654"/>
-            <a:ext cx="7816500" cy="923400"/>
-          </a:xfrm>
-          <a:prstGeom prst="rect">
-            <a:avLst/>
-          </a:prstGeom>
-          <a:noFill/>
-          <a:ln>
-            <a:noFill/>
-          </a:ln>
-        </p:spPr>
-        <p:txBody>
-          <a:bodyPr anchorCtr="0" anchor="t" bIns="91425" lIns="91425" spcFirstLastPara="1" rIns="91425" wrap="square" tIns="91425">
-            <a:spAutoFit/>
-          </a:bodyPr>
-          <a:lstStyle/>
-          <a:p>
-            <a:pPr indent="0" lvl="0" marL="0" rtl="0" algn="l">
-              <a:spcBef>
-                <a:spcPts val="0"/>
-              </a:spcBef>
-              <a:spcAft>
-                <a:spcPts val="0"/>
-              </a:spcAft>
-              <a:buNone/>
-            </a:pPr>
-            <a:r>
-              <a:rPr lang="en" sz="1600">
-                <a:solidFill>
-                  <a:schemeClr val="dk2"/>
-                </a:solidFill>
-              </a:rPr>
-              <a:t>Stroke is the second leading cause of death for non-communicable diseases worldwide and is known to be affected by age, gender, and employment stress. We wanted to examine what lifestyle factors best predict stroke.</a:t>
-            </a:r>
-            <a:endParaRPr/>
-          </a:p>
-        </p:txBody>
-      </p:sp>
-      <p:sp>
-        <p:nvSpPr>
-          <p:cNvPr id="65" name="Google Shape;65;p14"/>
-          <p:cNvSpPr txBox="1"/>
-          <p:nvPr/>
-        </p:nvSpPr>
-        <p:spPr>
-          <a:xfrm>
-            <a:off x="279000" y="2497654"/>
-            <a:ext cx="3597900" cy="1416000"/>
-          </a:xfrm>
-          <a:prstGeom prst="rect">
-            <a:avLst/>
-          </a:prstGeom>
-          <a:noFill/>
-          <a:ln>
-            <a:noFill/>
-          </a:ln>
-        </p:spPr>
-        <p:txBody>
-          <a:bodyPr anchorCtr="0" anchor="t" bIns="91425" lIns="91425" spcFirstLastPara="1" rIns="91425" wrap="square" tIns="91425">
-            <a:spAutoFit/>
-          </a:bodyPr>
-          <a:lstStyle/>
-          <a:p>
-            <a:pPr indent="0" lvl="0" marL="0" rtl="0" algn="l">
-              <a:spcBef>
-                <a:spcPts val="0"/>
-              </a:spcBef>
-              <a:spcAft>
-                <a:spcPts val="0"/>
-              </a:spcAft>
-              <a:buNone/>
-            </a:pPr>
-            <a:r>
-              <a:rPr lang="en" sz="1600">
-                <a:solidFill>
-                  <a:schemeClr val="dk2"/>
-                </a:solidFill>
-              </a:rPr>
-              <a:t>Using employment status, gender and age, can we predict stroke with a logistic regression model? Would this be better predicted with a more full set of lifestyle features?</a:t>
-            </a:r>
-            <a:endParaRPr sz="1600">
-              <a:solidFill>
-                <a:schemeClr val="dk2"/>
-              </a:solidFill>
-            </a:endParaRPr>
-          </a:p>
-        </p:txBody>
-      </p:sp>
-      <p:sp>
-        <p:nvSpPr>
-          <p:cNvPr id="66" name="Google Shape;66;p14"/>
-          <p:cNvSpPr txBox="1"/>
-          <p:nvPr>
-            <p:ph type="title"/>
-          </p:nvPr>
-        </p:nvSpPr>
-        <p:spPr>
-          <a:xfrm>
-            <a:off x="252000" y="1754504"/>
-            <a:ext cx="3651900" cy="572700"/>
-          </a:xfrm>
-          <a:prstGeom prst="rect">
-            <a:avLst/>
-          </a:prstGeom>
-        </p:spPr>
-        <p:txBody>
-          <a:bodyPr anchorCtr="0" anchor="t" bIns="91425" lIns="91425" spcFirstLastPara="1" rIns="91425" wrap="square" tIns="91425">
-            <a:normAutofit fontScale="90000"/>
-          </a:bodyPr>
-          <a:lstStyle/>
-          <a:p>
-            <a:pPr indent="0" lvl="0" marL="0" rtl="0" algn="l">
-              <a:spcBef>
-                <a:spcPts val="0"/>
-              </a:spcBef>
-              <a:spcAft>
-                <a:spcPts val="0"/>
-              </a:spcAft>
-              <a:buNone/>
-            </a:pPr>
-            <a:r>
-              <a:rPr lang="en"/>
-              <a:t>Research Question</a:t>
-            </a:r>
-            <a:endParaRPr/>
-          </a:p>
-        </p:txBody>
-      </p:sp>
-      <p:sp>
-        <p:nvSpPr>
-          <p:cNvPr id="67" name="Google Shape;67;p14"/>
-          <p:cNvSpPr txBox="1"/>
-          <p:nvPr>
-            <p:ph type="title"/>
-          </p:nvPr>
-        </p:nvSpPr>
-        <p:spPr>
-          <a:xfrm>
-            <a:off x="4547581" y="1754504"/>
-            <a:ext cx="4410000" cy="923400"/>
-          </a:xfrm>
-          <a:prstGeom prst="rect">
-            <a:avLst/>
-          </a:prstGeom>
-        </p:spPr>
-        <p:txBody>
-          <a:bodyPr anchorCtr="0" anchor="t" bIns="91425" lIns="91425" spcFirstLastPara="1" rIns="91425" wrap="square" tIns="91425">
-            <a:normAutofit/>
-          </a:bodyPr>
-          <a:lstStyle/>
-          <a:p>
-            <a:pPr indent="0" lvl="0" marL="0" rtl="0" algn="l">
-              <a:spcBef>
-                <a:spcPts val="0"/>
-              </a:spcBef>
-              <a:spcAft>
-                <a:spcPts val="0"/>
-              </a:spcAft>
-              <a:buNone/>
-            </a:pPr>
-            <a:r>
-              <a:rPr lang="en" sz="2700"/>
-              <a:t>Data Engineering </a:t>
-            </a:r>
-            <a:endParaRPr sz="2700"/>
-          </a:p>
-        </p:txBody>
-      </p:sp>
-    </p:spTree>
-  </p:cSld>
-  <p:clrMapOvr>
-    <a:masterClrMapping/>
-  </p:clrMapOvr>
-</p:sld>
-</file>
-
-<file path=ppt/slides/slide3.xml><?xml version="1.0" encoding="utf-8"?>
-<p:sld xmlns:a="http://schemas.openxmlformats.org/drawingml/2006/main" xmlns:r="http://schemas.openxmlformats.org/officeDocument/2006/relationships" xmlns:mc="http://schemas.openxmlformats.org/markup-compatibility/2006" xmlns:mv="urn:schemas-microsoft-com:mac:vml" xmlns:p="http://schemas.openxmlformats.org/presentationml/2006/main" xmlns:c="http://schemas.openxmlformats.org/drawingml/2006/chart" xmlns:dgm="http://schemas.openxmlformats.org/drawingml/2006/diagram" xmlns:o="urn:schemas-microsoft-com:office:office" xmlns:v="urn:schemas-microsoft-com:vml" xmlns:pvml="urn:schemas-microsoft-com:office:powerpoint" xmlns:com="http://schemas.openxmlformats.org/drawingml/2006/compatibility" xmlns:p14="http://schemas.microsoft.com/office/powerpoint/2010/main" xmlns:p15="http://schemas.microsoft.com/office/powerpoint/2012/main" xmlns:ahyp="http://schemas.microsoft.com/office/drawing/2018/hyperlinkcolor">
-  <p:cSld>
-    <p:bg>
-      <p:bgPr>
-        <a:solidFill>
-          <a:srgbClr val="F3F3F3"/>
-        </a:solidFill>
-      </p:bgPr>
-    </p:bg>
-    <p:spTree>
-      <p:nvGrpSpPr>
-        <p:cNvPr id="71" name="Shape 71"/>
-        <p:cNvGrpSpPr/>
-        <p:nvPr/>
-      </p:nvGrpSpPr>
-      <p:grpSpPr>
-        <a:xfrm>
-          <a:off x="0" y="0"/>
-          <a:ext cx="0" cy="0"/>
-          <a:chOff x="0" y="0"/>
-          <a:chExt cx="0" cy="0"/>
-        </a:xfrm>
-      </p:grpSpPr>
-      <p:sp>
-        <p:nvSpPr>
-          <p:cNvPr id="72" name="Google Shape;72;p15"/>
+          <p:cNvPr id="69" name="Google Shape;69;p14"/>
           <p:cNvSpPr txBox="1"/>
           <p:nvPr>
             <p:ph type="title"/>
@@ -6984,7 +6885,7 @@
       </p:sp>
       <p:sp>
         <p:nvSpPr>
-          <p:cNvPr id="73" name="Google Shape;73;p15"/>
+          <p:cNvPr id="70" name="Google Shape;70;p14"/>
           <p:cNvSpPr txBox="1"/>
           <p:nvPr>
             <p:ph idx="1" type="body"/>
@@ -7418,7 +7319,7 @@
       </p:sp>
       <p:pic>
         <p:nvPicPr>
-          <p:cNvPr id="74" name="Google Shape;74;p15"/>
+          <p:cNvPr id="71" name="Google Shape;71;p14"/>
           <p:cNvPicPr preferRelativeResize="0"/>
           <p:nvPr/>
         </p:nvPicPr>
@@ -7446,7 +7347,7 @@
       </p:pic>
       <p:graphicFrame>
         <p:nvGraphicFramePr>
-          <p:cNvPr id="75" name="Google Shape;75;p15"/>
+          <p:cNvPr id="72" name="Google Shape;72;p14"/>
           <p:cNvGraphicFramePr/>
           <p:nvPr/>
         </p:nvGraphicFramePr>
@@ -7459,7 +7360,7 @@
             <a:tbl>
               <a:tblPr>
                 <a:noFill/>
-                <a:tableStyleId>{BC394A16-836D-42A3-9695-E6E27A341514}</a:tableStyleId>
+                <a:tableStyleId>{5E1678C2-7ECD-4625-A025-2FEBAB017621}</a:tableStyleId>
               </a:tblPr>
               <a:tblGrid>
                 <a:gridCol w="415200"/>
@@ -7824,7 +7725,7 @@
       </p:graphicFrame>
       <p:pic>
         <p:nvPicPr>
-          <p:cNvPr id="76" name="Google Shape;76;p15"/>
+          <p:cNvPr id="73" name="Google Shape;73;p14"/>
           <p:cNvPicPr preferRelativeResize="0"/>
           <p:nvPr/>
         </p:nvPicPr>
@@ -7852,7 +7753,7 @@
       </p:pic>
       <p:graphicFrame>
         <p:nvGraphicFramePr>
-          <p:cNvPr id="77" name="Google Shape;77;p15"/>
+          <p:cNvPr id="74" name="Google Shape;74;p14"/>
           <p:cNvGraphicFramePr/>
           <p:nvPr/>
         </p:nvGraphicFramePr>
@@ -7865,7 +7766,7 @@
             <a:tbl>
               <a:tblPr>
                 <a:noFill/>
-                <a:tableStyleId>{BC394A16-836D-42A3-9695-E6E27A341514}</a:tableStyleId>
+                <a:tableStyleId>{5E1678C2-7ECD-4625-A025-2FEBAB017621}</a:tableStyleId>
               </a:tblPr>
               <a:tblGrid>
                 <a:gridCol w="415175"/>
@@ -8236,7 +8137,7 @@
 </p:sld>
 </file>
 
-<file path=ppt/slides/slide4.xml><?xml version="1.0" encoding="utf-8"?>
+<file path=ppt/slides/slide3.xml><?xml version="1.0" encoding="utf-8"?>
 <p:sld xmlns:a="http://schemas.openxmlformats.org/drawingml/2006/main" xmlns:r="http://schemas.openxmlformats.org/officeDocument/2006/relationships" xmlns:mc="http://schemas.openxmlformats.org/markup-compatibility/2006" xmlns:mv="urn:schemas-microsoft-com:mac:vml" xmlns:p="http://schemas.openxmlformats.org/presentationml/2006/main" xmlns:c="http://schemas.openxmlformats.org/drawingml/2006/chart" xmlns:dgm="http://schemas.openxmlformats.org/drawingml/2006/diagram" xmlns:o="urn:schemas-microsoft-com:office:office" xmlns:v="urn:schemas-microsoft-com:vml" xmlns:pvml="urn:schemas-microsoft-com:office:powerpoint" xmlns:com="http://schemas.openxmlformats.org/drawingml/2006/compatibility" xmlns:p14="http://schemas.microsoft.com/office/powerpoint/2010/main" xmlns:p15="http://schemas.microsoft.com/office/powerpoint/2012/main" xmlns:ahyp="http://schemas.microsoft.com/office/drawing/2018/hyperlinkcolor">
   <p:cSld>
     <p:bg>
@@ -8248,7 +8149,7 @@
     </p:bg>
     <p:spTree>
       <p:nvGrpSpPr>
-        <p:cNvPr id="81" name="Shape 81"/>
+        <p:cNvPr id="78" name="Shape 78"/>
         <p:cNvGrpSpPr/>
         <p:nvPr/>
       </p:nvGrpSpPr>
@@ -8262,7 +8163,7 @@
       </p:grpSpPr>
       <p:sp>
         <p:nvSpPr>
-          <p:cNvPr id="82" name="Google Shape;82;p16"/>
+          <p:cNvPr id="79" name="Google Shape;79;p15"/>
           <p:cNvSpPr txBox="1"/>
           <p:nvPr>
             <p:ph type="title"/>
@@ -8270,7 +8171,7 @@
         </p:nvSpPr>
         <p:spPr>
           <a:xfrm>
-            <a:off x="311700" y="127525"/>
+            <a:off x="375200" y="127525"/>
             <a:ext cx="8520600" cy="572700"/>
           </a:xfrm>
           <a:prstGeom prst="rect">
@@ -8302,7 +8203,7 @@
       </p:sp>
       <p:sp>
         <p:nvSpPr>
-          <p:cNvPr id="83" name="Google Shape;83;p16"/>
+          <p:cNvPr id="80" name="Google Shape;80;p15"/>
           <p:cNvSpPr txBox="1"/>
           <p:nvPr>
             <p:ph idx="1" type="body"/>
@@ -8311,7 +8212,7 @@
         <p:spPr>
           <a:xfrm>
             <a:off x="311700" y="700225"/>
-            <a:ext cx="8520600" cy="5814300"/>
+            <a:ext cx="8747700" cy="5814300"/>
           </a:xfrm>
           <a:prstGeom prst="rect">
             <a:avLst/>
@@ -8341,7 +8242,7 @@
                 <a:cs typeface="Arial"/>
                 <a:sym typeface="Arial"/>
               </a:rPr>
-              <a:t>Outliers eliminated to account for employment variable, skewed data</a:t>
+              <a:t>Outliers eliminated to account for employment variable -&gt; skewed data</a:t>
             </a:r>
             <a:endParaRPr sz="2037">
               <a:latin typeface="Arial"/>
@@ -8524,7 +8425,7 @@
       </p:sp>
       <p:sp>
         <p:nvSpPr>
-          <p:cNvPr id="84" name="Google Shape;84;p16"/>
+          <p:cNvPr id="81" name="Google Shape;81;p15"/>
           <p:cNvSpPr txBox="1"/>
           <p:nvPr>
             <p:ph type="title"/>
